--- a/OPRC London UCV Demo_Vodafone.pptx
+++ b/OPRC London UCV Demo_Vodafone.pptx
@@ -213,7 +213,7 @@
           <a:p>
             <a:fld id="{E17CC61B-3F04-447E-9A9F-8BC77E899493}" type="datetimeFigureOut">
               <a:rPr lang="en-SG" smtClean="0"/>
-              <a:t>22/11/2016</a:t>
+              <a:t>29/11/2016</a:t>
             </a:fld>
             <a:endParaRPr lang="en-SG"/>
           </a:p>
@@ -581,7 +581,7 @@
             <a:fld id="{B1D2EC80-2F6F-436D-AF3A-40A3B89B8FA4}" type="datetimeFigureOut">
               <a:rPr lang="en-SG" smtClean="0"/>
               <a:pPr/>
-              <a:t>22/11/2016</a:t>
+              <a:t>29/11/2016</a:t>
             </a:fld>
             <a:endParaRPr lang="en-SG"/>
           </a:p>
@@ -789,7 +789,7 @@
             <a:fld id="{B1D2EC80-2F6F-436D-AF3A-40A3B89B8FA4}" type="datetimeFigureOut">
               <a:rPr lang="en-SG" smtClean="0"/>
               <a:pPr/>
-              <a:t>22/11/2016</a:t>
+              <a:t>29/11/2016</a:t>
             </a:fld>
             <a:endParaRPr lang="en-SG"/>
           </a:p>
@@ -971,7 +971,7 @@
             <a:fld id="{B1D2EC80-2F6F-436D-AF3A-40A3B89B8FA4}" type="datetimeFigureOut">
               <a:rPr lang="en-SG" smtClean="0"/>
               <a:pPr/>
-              <a:t>22/11/2016</a:t>
+              <a:t>29/11/2016</a:t>
             </a:fld>
             <a:endParaRPr lang="en-SG"/>
           </a:p>
@@ -1143,7 +1143,7 @@
             <a:fld id="{B1D2EC80-2F6F-436D-AF3A-40A3B89B8FA4}" type="datetimeFigureOut">
               <a:rPr lang="en-SG" smtClean="0"/>
               <a:pPr/>
-              <a:t>22/11/2016</a:t>
+              <a:t>29/11/2016</a:t>
             </a:fld>
             <a:endParaRPr lang="en-SG"/>
           </a:p>
@@ -1398,7 +1398,7 @@
             <a:fld id="{B1D2EC80-2F6F-436D-AF3A-40A3B89B8FA4}" type="datetimeFigureOut">
               <a:rPr lang="en-SG" smtClean="0"/>
               <a:pPr/>
-              <a:t>22/11/2016</a:t>
+              <a:t>29/11/2016</a:t>
             </a:fld>
             <a:endParaRPr lang="en-SG"/>
           </a:p>
@@ -1632,7 +1632,7 @@
             <a:fld id="{B1D2EC80-2F6F-436D-AF3A-40A3B89B8FA4}" type="datetimeFigureOut">
               <a:rPr lang="en-SG" smtClean="0"/>
               <a:pPr/>
-              <a:t>22/11/2016</a:t>
+              <a:t>29/11/2016</a:t>
             </a:fld>
             <a:endParaRPr lang="en-SG"/>
           </a:p>
@@ -2001,7 +2001,7 @@
             <a:fld id="{B1D2EC80-2F6F-436D-AF3A-40A3B89B8FA4}" type="datetimeFigureOut">
               <a:rPr lang="en-SG" smtClean="0"/>
               <a:pPr/>
-              <a:t>22/11/2016</a:t>
+              <a:t>29/11/2016</a:t>
             </a:fld>
             <a:endParaRPr lang="en-SG"/>
           </a:p>
@@ -2121,7 +2121,7 @@
             <a:fld id="{B1D2EC80-2F6F-436D-AF3A-40A3B89B8FA4}" type="datetimeFigureOut">
               <a:rPr lang="en-SG" smtClean="0"/>
               <a:pPr/>
-              <a:t>22/11/2016</a:t>
+              <a:t>29/11/2016</a:t>
             </a:fld>
             <a:endParaRPr lang="en-SG"/>
           </a:p>
@@ -2218,7 +2218,7 @@
             <a:fld id="{B1D2EC80-2F6F-436D-AF3A-40A3B89B8FA4}" type="datetimeFigureOut">
               <a:rPr lang="en-SG" smtClean="0"/>
               <a:pPr/>
-              <a:t>22/11/2016</a:t>
+              <a:t>29/11/2016</a:t>
             </a:fld>
             <a:endParaRPr lang="en-SG"/>
           </a:p>
@@ -2497,7 +2497,7 @@
             <a:fld id="{B1D2EC80-2F6F-436D-AF3A-40A3B89B8FA4}" type="datetimeFigureOut">
               <a:rPr lang="en-SG" smtClean="0"/>
               <a:pPr/>
-              <a:t>22/11/2016</a:t>
+              <a:t>29/11/2016</a:t>
             </a:fld>
             <a:endParaRPr lang="en-SG"/>
           </a:p>
@@ -2752,7 +2752,7 @@
             <a:fld id="{B1D2EC80-2F6F-436D-AF3A-40A3B89B8FA4}" type="datetimeFigureOut">
               <a:rPr lang="en-SG" smtClean="0"/>
               <a:pPr/>
-              <a:t>22/11/2016</a:t>
+              <a:t>29/11/2016</a:t>
             </a:fld>
             <a:endParaRPr lang="en-SG"/>
           </a:p>
@@ -2997,7 +2997,7 @@
             <a:fld id="{B1D2EC80-2F6F-436D-AF3A-40A3B89B8FA4}" type="datetimeFigureOut">
               <a:rPr lang="en-SG" smtClean="0"/>
               <a:pPr/>
-              <a:t>22/11/2016</a:t>
+              <a:t>29/11/2016</a:t>
             </a:fld>
             <a:endParaRPr lang="en-SG"/>
           </a:p>
@@ -3559,7 +3559,7 @@
           <a:p>
             <a:r>
               <a:rPr lang="en-SG" dirty="0" smtClean="0"/>
-              <a:t>Problem Statement</a:t>
+              <a:t>Persona Driven Cross Sell</a:t>
             </a:r>
             <a:endParaRPr lang="en-SG" dirty="0"/>
           </a:p>
@@ -3573,8 +3573,8 @@
         </p:nvSpPr>
         <p:spPr>
           <a:xfrm>
-            <a:off x="838199" y="1079616"/>
-            <a:ext cx="11439293" cy="369332"/>
+            <a:off x="838199" y="968547"/>
+            <a:ext cx="11439293" cy="646331"/>
           </a:xfrm>
           <a:prstGeom prst="rect">
             <a:avLst/>
@@ -3593,7 +3593,15 @@
                   <a:srgbClr val="FF0000"/>
                 </a:solidFill>
               </a:rPr>
-              <a:t>The real </a:t>
+              <a:t>South Asian operator is running “first </a:t>
+            </a:r>
+            <a:r>
+              <a:rPr lang="en-US" b="1" dirty="0">
+                <a:solidFill>
+                  <a:srgbClr val="FF0000"/>
+                </a:solidFill>
+              </a:rPr>
+              <a:t>month free streaming music service” </a:t>
             </a:r>
             <a:r>
               <a:rPr lang="en-US" b="1" dirty="0" smtClean="0">
@@ -3601,55 +3609,17 @@
                   <a:srgbClr val="FF0000"/>
                 </a:solidFill>
               </a:rPr>
-              <a:t>“</a:t>
-            </a:r>
+              <a:t>promotion. </a:t>
+            </a:r>
+          </a:p>
+          <a:p>
             <a:r>
               <a:rPr lang="en-US" b="1" dirty="0" smtClean="0">
                 <a:solidFill>
                   <a:srgbClr val="FF0000"/>
                 </a:solidFill>
               </a:rPr>
-              <a:t>Survivor Turkey</a:t>
-            </a:r>
-            <a:r>
-              <a:rPr lang="en-US" b="1" dirty="0" smtClean="0">
-                <a:solidFill>
-                  <a:srgbClr val="FF0000"/>
-                </a:solidFill>
-              </a:rPr>
-              <a:t>” </a:t>
-            </a:r>
-            <a:r>
-              <a:rPr lang="en-US" b="1" dirty="0" smtClean="0">
-                <a:solidFill>
-                  <a:srgbClr val="FF0000"/>
-                </a:solidFill>
-              </a:rPr>
-              <a:t>is coming. How much money can we make after offering free </a:t>
-            </a:r>
-            <a:r>
-              <a:rPr lang="en-US" b="1" dirty="0" smtClean="0">
-                <a:solidFill>
-                  <a:srgbClr val="FF0000"/>
-                </a:solidFill>
-              </a:rPr>
-              <a:t>Tv8 </a:t>
-            </a:r>
-            <a:r>
-              <a:rPr lang="en-US" b="1" dirty="0" smtClean="0">
-                <a:solidFill>
-                  <a:srgbClr val="FF0000"/>
-                </a:solidFill>
-              </a:rPr>
-              <a:t>channel v</a:t>
-            </a:r>
-            <a:r>
-              <a:rPr lang="en-US" b="1" dirty="0" smtClean="0">
-                <a:solidFill>
-                  <a:srgbClr val="FF0000"/>
-                </a:solidFill>
-              </a:rPr>
-              <a:t>ideo? </a:t>
+              <a:t>Identify customers, who are likely to continue with their subscription after the promotion period ends. </a:t>
             </a:r>
             <a:endParaRPr lang="en-US" b="1" dirty="0">
               <a:solidFill>
@@ -3667,7 +3637,7 @@
         </p:nvGrpSpPr>
         <p:grpSpPr>
           <a:xfrm>
-            <a:off x="820605" y="1517097"/>
+            <a:off x="838199" y="1593113"/>
             <a:ext cx="10780518" cy="841084"/>
             <a:chOff x="421726" y="2129037"/>
             <a:chExt cx="10499559" cy="841084"/>
@@ -3991,7 +3961,7 @@
       </p:sp>
       <p:pic>
         <p:nvPicPr>
-          <p:cNvPr id="14" name="Picture 13"/>
+          <p:cNvPr id="4" name="Picture 3"/>
           <p:cNvPicPr>
             <a:picLocks noChangeAspect="1"/>
           </p:cNvPicPr>
@@ -4005,8 +3975,8 @@
         </p:blipFill>
         <p:spPr>
           <a:xfrm>
-            <a:off x="1767813" y="2348094"/>
-            <a:ext cx="8966770" cy="4416866"/>
+            <a:off x="2150654" y="2368268"/>
+            <a:ext cx="7890690" cy="4489732"/>
           </a:xfrm>
           <a:prstGeom prst="rect">
             <a:avLst/>

--- a/OPRC London UCV Demo_Vodafone.pptx
+++ b/OPRC London UCV Demo_Vodafone.pptx
@@ -5,12 +5,13 @@
     <p:sldMasterId id="2147483648" r:id="rId1"/>
   </p:sldMasterIdLst>
   <p:notesMasterIdLst>
-    <p:notesMasterId r:id="rId5"/>
+    <p:notesMasterId r:id="rId6"/>
   </p:notesMasterIdLst>
   <p:sldIdLst>
     <p:sldId id="256" r:id="rId2"/>
     <p:sldId id="258" r:id="rId3"/>
-    <p:sldId id="257" r:id="rId4"/>
+    <p:sldId id="259" r:id="rId4"/>
+    <p:sldId id="257" r:id="rId5"/>
   </p:sldIdLst>
   <p:sldSz cx="12192000" cy="6858000"/>
   <p:notesSz cx="6858000" cy="9144000"/>
@@ -213,7 +214,7 @@
           <a:p>
             <a:fld id="{E17CC61B-3F04-447E-9A9F-8BC77E899493}" type="datetimeFigureOut">
               <a:rPr lang="en-SG" smtClean="0"/>
-              <a:t>29/11/2016</a:t>
+              <a:t>2/12/2016</a:t>
             </a:fld>
             <a:endParaRPr lang="en-SG"/>
           </a:p>
@@ -581,7 +582,7 @@
             <a:fld id="{B1D2EC80-2F6F-436D-AF3A-40A3B89B8FA4}" type="datetimeFigureOut">
               <a:rPr lang="en-SG" smtClean="0"/>
               <a:pPr/>
-              <a:t>29/11/2016</a:t>
+              <a:t>2/12/2016</a:t>
             </a:fld>
             <a:endParaRPr lang="en-SG"/>
           </a:p>
@@ -789,7 +790,7 @@
             <a:fld id="{B1D2EC80-2F6F-436D-AF3A-40A3B89B8FA4}" type="datetimeFigureOut">
               <a:rPr lang="en-SG" smtClean="0"/>
               <a:pPr/>
-              <a:t>29/11/2016</a:t>
+              <a:t>2/12/2016</a:t>
             </a:fld>
             <a:endParaRPr lang="en-SG"/>
           </a:p>
@@ -971,7 +972,7 @@
             <a:fld id="{B1D2EC80-2F6F-436D-AF3A-40A3B89B8FA4}" type="datetimeFigureOut">
               <a:rPr lang="en-SG" smtClean="0"/>
               <a:pPr/>
-              <a:t>29/11/2016</a:t>
+              <a:t>2/12/2016</a:t>
             </a:fld>
             <a:endParaRPr lang="en-SG"/>
           </a:p>
@@ -1143,7 +1144,7 @@
             <a:fld id="{B1D2EC80-2F6F-436D-AF3A-40A3B89B8FA4}" type="datetimeFigureOut">
               <a:rPr lang="en-SG" smtClean="0"/>
               <a:pPr/>
-              <a:t>29/11/2016</a:t>
+              <a:t>2/12/2016</a:t>
             </a:fld>
             <a:endParaRPr lang="en-SG"/>
           </a:p>
@@ -1398,7 +1399,7 @@
             <a:fld id="{B1D2EC80-2F6F-436D-AF3A-40A3B89B8FA4}" type="datetimeFigureOut">
               <a:rPr lang="en-SG" smtClean="0"/>
               <a:pPr/>
-              <a:t>29/11/2016</a:t>
+              <a:t>2/12/2016</a:t>
             </a:fld>
             <a:endParaRPr lang="en-SG"/>
           </a:p>
@@ -1632,7 +1633,7 @@
             <a:fld id="{B1D2EC80-2F6F-436D-AF3A-40A3B89B8FA4}" type="datetimeFigureOut">
               <a:rPr lang="en-SG" smtClean="0"/>
               <a:pPr/>
-              <a:t>29/11/2016</a:t>
+              <a:t>2/12/2016</a:t>
             </a:fld>
             <a:endParaRPr lang="en-SG"/>
           </a:p>
@@ -2001,7 +2002,7 @@
             <a:fld id="{B1D2EC80-2F6F-436D-AF3A-40A3B89B8FA4}" type="datetimeFigureOut">
               <a:rPr lang="en-SG" smtClean="0"/>
               <a:pPr/>
-              <a:t>29/11/2016</a:t>
+              <a:t>2/12/2016</a:t>
             </a:fld>
             <a:endParaRPr lang="en-SG"/>
           </a:p>
@@ -2121,7 +2122,7 @@
             <a:fld id="{B1D2EC80-2F6F-436D-AF3A-40A3B89B8FA4}" type="datetimeFigureOut">
               <a:rPr lang="en-SG" smtClean="0"/>
               <a:pPr/>
-              <a:t>29/11/2016</a:t>
+              <a:t>2/12/2016</a:t>
             </a:fld>
             <a:endParaRPr lang="en-SG"/>
           </a:p>
@@ -2218,7 +2219,7 @@
             <a:fld id="{B1D2EC80-2F6F-436D-AF3A-40A3B89B8FA4}" type="datetimeFigureOut">
               <a:rPr lang="en-SG" smtClean="0"/>
               <a:pPr/>
-              <a:t>29/11/2016</a:t>
+              <a:t>2/12/2016</a:t>
             </a:fld>
             <a:endParaRPr lang="en-SG"/>
           </a:p>
@@ -2497,7 +2498,7 @@
             <a:fld id="{B1D2EC80-2F6F-436D-AF3A-40A3B89B8FA4}" type="datetimeFigureOut">
               <a:rPr lang="en-SG" smtClean="0"/>
               <a:pPr/>
-              <a:t>29/11/2016</a:t>
+              <a:t>2/12/2016</a:t>
             </a:fld>
             <a:endParaRPr lang="en-SG"/>
           </a:p>
@@ -2752,7 +2753,7 @@
             <a:fld id="{B1D2EC80-2F6F-436D-AF3A-40A3B89B8FA4}" type="datetimeFigureOut">
               <a:rPr lang="en-SG" smtClean="0"/>
               <a:pPr/>
-              <a:t>29/11/2016</a:t>
+              <a:t>2/12/2016</a:t>
             </a:fld>
             <a:endParaRPr lang="en-SG"/>
           </a:p>
@@ -2997,7 +2998,7 @@
             <a:fld id="{B1D2EC80-2F6F-436D-AF3A-40A3B89B8FA4}" type="datetimeFigureOut">
               <a:rPr lang="en-SG" smtClean="0"/>
               <a:pPr/>
-              <a:t>29/11/2016</a:t>
+              <a:t>2/12/2016</a:t>
             </a:fld>
             <a:endParaRPr lang="en-SG"/>
           </a:p>
@@ -4004,6 +4005,456 @@
 </file>
 
 <file path=ppt/slides/slide3.xml><?xml version="1.0" encoding="utf-8"?>
+<p:sld xmlns:a="http://schemas.openxmlformats.org/drawingml/2006/main" xmlns:r="http://schemas.openxmlformats.org/officeDocument/2006/relationships" xmlns:p="http://schemas.openxmlformats.org/presentationml/2006/main">
+  <p:cSld>
+    <p:spTree>
+      <p:nvGrpSpPr>
+        <p:cNvPr id="1" name=""/>
+        <p:cNvGrpSpPr/>
+        <p:nvPr/>
+      </p:nvGrpSpPr>
+      <p:grpSpPr>
+        <a:xfrm>
+          <a:off x="0" y="0"/>
+          <a:ext cx="0" cy="0"/>
+          <a:chOff x="0" y="0"/>
+          <a:chExt cx="0" cy="0"/>
+        </a:xfrm>
+      </p:grpSpPr>
+      <p:sp>
+        <p:nvSpPr>
+          <p:cNvPr id="2" name="Title 1"/>
+          <p:cNvSpPr>
+            <a:spLocks noGrp="1"/>
+          </p:cNvSpPr>
+          <p:nvPr>
+            <p:ph type="title"/>
+          </p:nvPr>
+        </p:nvSpPr>
+        <p:spPr>
+          <a:xfrm>
+            <a:off x="838199" y="0"/>
+            <a:ext cx="10515600" cy="1325563"/>
+          </a:xfrm>
+        </p:spPr>
+        <p:txBody>
+          <a:bodyPr/>
+          <a:lstStyle/>
+          <a:p>
+            <a:r>
+              <a:rPr lang="en-SG" dirty="0" smtClean="0"/>
+              <a:t>Persona Driven Cross Sell</a:t>
+            </a:r>
+            <a:endParaRPr lang="en-SG" dirty="0"/>
+          </a:p>
+        </p:txBody>
+      </p:sp>
+      <p:pic>
+        <p:nvPicPr>
+          <p:cNvPr id="6" name="Picture 5"/>
+          <p:cNvPicPr>
+            <a:picLocks noChangeAspect="1"/>
+          </p:cNvPicPr>
+          <p:nvPr/>
+        </p:nvPicPr>
+        <p:blipFill>
+          <a:blip r:embed="rId2"/>
+          <a:stretch>
+            <a:fillRect/>
+          </a:stretch>
+        </p:blipFill>
+        <p:spPr>
+          <a:xfrm>
+            <a:off x="2532185" y="2022721"/>
+            <a:ext cx="6318654" cy="3533775"/>
+          </a:xfrm>
+          <a:prstGeom prst="rect">
+            <a:avLst/>
+          </a:prstGeom>
+        </p:spPr>
+      </p:pic>
+      <p:cxnSp>
+        <p:nvCxnSpPr>
+          <p:cNvPr id="11" name="Elbow Connector 10"/>
+          <p:cNvCxnSpPr/>
+          <p:nvPr/>
+        </p:nvCxnSpPr>
+        <p:spPr>
+          <a:xfrm flipV="1">
+            <a:off x="6095999" y="1325563"/>
+            <a:ext cx="1604311" cy="1076134"/>
+          </a:xfrm>
+          <a:prstGeom prst="bentConnector3">
+            <a:avLst>
+              <a:gd name="adj1" fmla="val 1772"/>
+            </a:avLst>
+          </a:prstGeom>
+          <a:ln w="66675">
+            <a:tailEnd type="triangle"/>
+          </a:ln>
+        </p:spPr>
+        <p:style>
+          <a:lnRef idx="1">
+            <a:schemeClr val="accent1"/>
+          </a:lnRef>
+          <a:fillRef idx="0">
+            <a:schemeClr val="accent1"/>
+          </a:fillRef>
+          <a:effectRef idx="0">
+            <a:schemeClr val="accent1"/>
+          </a:effectRef>
+          <a:fontRef idx="minor">
+            <a:schemeClr val="tx1"/>
+          </a:fontRef>
+        </p:style>
+      </p:cxnSp>
+      <p:sp>
+        <p:nvSpPr>
+          <p:cNvPr id="24" name="TextBox 23"/>
+          <p:cNvSpPr txBox="1"/>
+          <p:nvPr/>
+        </p:nvSpPr>
+        <p:spPr>
+          <a:xfrm>
+            <a:off x="7737038" y="853896"/>
+            <a:ext cx="3506511" cy="923330"/>
+          </a:xfrm>
+          <a:prstGeom prst="rect">
+            <a:avLst/>
+          </a:prstGeom>
+          <a:noFill/>
+        </p:spPr>
+        <p:txBody>
+          <a:bodyPr wrap="square" rtlCol="0">
+            <a:spAutoFit/>
+          </a:bodyPr>
+          <a:lstStyle/>
+          <a:p>
+            <a:r>
+              <a:rPr lang="en-US" b="1" dirty="0" smtClean="0">
+                <a:solidFill>
+                  <a:schemeClr val="accent1"/>
+                </a:solidFill>
+              </a:rPr>
+              <a:t>Color of circle:</a:t>
+            </a:r>
+            <a:r>
+              <a:rPr lang="en-US" b="1" dirty="0" smtClean="0">
+                <a:solidFill>
+                  <a:srgbClr val="FF0000"/>
+                </a:solidFill>
+              </a:rPr>
+              <a:t> </a:t>
+            </a:r>
+            <a:r>
+              <a:rPr lang="en-US" dirty="0" smtClean="0">
+                <a:solidFill>
+                  <a:schemeClr val="accent1"/>
+                </a:solidFill>
+              </a:rPr>
+              <a:t>Green circles represent relatively positive CLTV changes, red ones negative.</a:t>
+            </a:r>
+          </a:p>
+        </p:txBody>
+      </p:sp>
+      <p:cxnSp>
+        <p:nvCxnSpPr>
+          <p:cNvPr id="25" name="Elbow Connector 24"/>
+          <p:cNvCxnSpPr/>
+          <p:nvPr/>
+        </p:nvCxnSpPr>
+        <p:spPr>
+          <a:xfrm rot="10800000">
+            <a:off x="3404386" y="1744399"/>
+            <a:ext cx="1308388" cy="900833"/>
+          </a:xfrm>
+          <a:prstGeom prst="bentConnector3">
+            <a:avLst>
+              <a:gd name="adj1" fmla="val 2692"/>
+            </a:avLst>
+          </a:prstGeom>
+          <a:ln w="66675">
+            <a:tailEnd type="triangle"/>
+          </a:ln>
+        </p:spPr>
+        <p:style>
+          <a:lnRef idx="1">
+            <a:schemeClr val="accent1"/>
+          </a:lnRef>
+          <a:fillRef idx="0">
+            <a:schemeClr val="accent1"/>
+          </a:fillRef>
+          <a:effectRef idx="0">
+            <a:schemeClr val="accent1"/>
+          </a:effectRef>
+          <a:fontRef idx="minor">
+            <a:schemeClr val="tx1"/>
+          </a:fontRef>
+        </p:style>
+      </p:cxnSp>
+      <p:sp>
+        <p:nvSpPr>
+          <p:cNvPr id="33" name="TextBox 32"/>
+          <p:cNvSpPr txBox="1"/>
+          <p:nvPr/>
+        </p:nvSpPr>
+        <p:spPr>
+          <a:xfrm>
+            <a:off x="636216" y="1376390"/>
+            <a:ext cx="3242216" cy="646331"/>
+          </a:xfrm>
+          <a:prstGeom prst="rect">
+            <a:avLst/>
+          </a:prstGeom>
+          <a:noFill/>
+        </p:spPr>
+        <p:txBody>
+          <a:bodyPr wrap="square" rtlCol="0">
+            <a:spAutoFit/>
+          </a:bodyPr>
+          <a:lstStyle/>
+          <a:p>
+            <a:r>
+              <a:rPr lang="en-US" b="1" dirty="0" smtClean="0">
+                <a:solidFill>
+                  <a:schemeClr val="accent1"/>
+                </a:solidFill>
+              </a:rPr>
+              <a:t>Size of the circle: </a:t>
+            </a:r>
+            <a:r>
+              <a:rPr lang="en-US" dirty="0" smtClean="0">
+                <a:solidFill>
+                  <a:schemeClr val="accent1"/>
+                </a:solidFill>
+              </a:rPr>
+              <a:t>Number of customers relative to total. </a:t>
+            </a:r>
+          </a:p>
+        </p:txBody>
+      </p:sp>
+      <p:cxnSp>
+        <p:nvCxnSpPr>
+          <p:cNvPr id="49" name="Straight Arrow Connector 48"/>
+          <p:cNvCxnSpPr/>
+          <p:nvPr/>
+        </p:nvCxnSpPr>
+        <p:spPr>
+          <a:xfrm flipH="1" flipV="1">
+            <a:off x="2388969" y="3625426"/>
+            <a:ext cx="523043" cy="14068"/>
+          </a:xfrm>
+          <a:prstGeom prst="straightConnector1">
+            <a:avLst/>
+          </a:prstGeom>
+          <a:ln w="66675">
+            <a:tailEnd type="triangle"/>
+          </a:ln>
+        </p:spPr>
+        <p:style>
+          <a:lnRef idx="1">
+            <a:schemeClr val="accent1"/>
+          </a:lnRef>
+          <a:fillRef idx="0">
+            <a:schemeClr val="accent1"/>
+          </a:fillRef>
+          <a:effectRef idx="0">
+            <a:schemeClr val="accent1"/>
+          </a:effectRef>
+          <a:fontRef idx="minor">
+            <a:schemeClr val="tx1"/>
+          </a:fontRef>
+        </p:style>
+      </p:cxnSp>
+      <p:sp>
+        <p:nvSpPr>
+          <p:cNvPr id="54" name="TextBox 53"/>
+          <p:cNvSpPr txBox="1"/>
+          <p:nvPr/>
+        </p:nvSpPr>
+        <p:spPr>
+          <a:xfrm>
+            <a:off x="0" y="3025261"/>
+            <a:ext cx="2691613" cy="1200329"/>
+          </a:xfrm>
+          <a:prstGeom prst="rect">
+            <a:avLst/>
+          </a:prstGeom>
+          <a:noFill/>
+        </p:spPr>
+        <p:txBody>
+          <a:bodyPr wrap="square" rtlCol="0">
+            <a:spAutoFit/>
+          </a:bodyPr>
+          <a:lstStyle/>
+          <a:p>
+            <a:r>
+              <a:rPr lang="en-US" b="1" dirty="0" smtClean="0">
+                <a:solidFill>
+                  <a:schemeClr val="accent1"/>
+                </a:solidFill>
+              </a:rPr>
+              <a:t>First figure: </a:t>
+            </a:r>
+            <a:r>
+              <a:rPr lang="en-US" dirty="0" smtClean="0">
+                <a:solidFill>
+                  <a:schemeClr val="accent1"/>
+                </a:solidFill>
+              </a:rPr>
+              <a:t>Increase </a:t>
+            </a:r>
+            <a:r>
+              <a:rPr lang="en-US" dirty="0" smtClean="0">
+                <a:solidFill>
+                  <a:schemeClr val="accent1"/>
+                </a:solidFill>
+              </a:rPr>
+              <a:t>in </a:t>
+            </a:r>
+            <a:r>
+              <a:rPr lang="en-US" dirty="0" smtClean="0">
+                <a:solidFill>
+                  <a:schemeClr val="accent1"/>
+                </a:solidFill>
+              </a:rPr>
+              <a:t>CLTV. In this case, $</a:t>
+            </a:r>
+            <a:r>
+              <a:rPr lang="en-US" dirty="0" smtClean="0">
+                <a:solidFill>
+                  <a:schemeClr val="accent1"/>
+                </a:solidFill>
+              </a:rPr>
+              <a:t>18 </a:t>
+            </a:r>
+            <a:r>
+              <a:rPr lang="en-US" smtClean="0">
+                <a:solidFill>
+                  <a:schemeClr val="accent1"/>
+                </a:solidFill>
+              </a:rPr>
+              <a:t>increase on </a:t>
+            </a:r>
+            <a:r>
+              <a:rPr lang="en-US" dirty="0" smtClean="0">
+                <a:solidFill>
+                  <a:schemeClr val="accent1"/>
+                </a:solidFill>
+              </a:rPr>
+              <a:t>already </a:t>
+            </a:r>
+            <a:r>
+              <a:rPr lang="en-US" smtClean="0">
+                <a:solidFill>
+                  <a:schemeClr val="accent1"/>
+                </a:solidFill>
+              </a:rPr>
+              <a:t>existing CLTV of .</a:t>
+            </a:r>
+            <a:endParaRPr lang="en-US" dirty="0" smtClean="0">
+              <a:solidFill>
+                <a:schemeClr val="accent1"/>
+              </a:solidFill>
+            </a:endParaRPr>
+          </a:p>
+        </p:txBody>
+      </p:sp>
+      <p:sp>
+        <p:nvSpPr>
+          <p:cNvPr id="55" name="TextBox 54"/>
+          <p:cNvSpPr txBox="1"/>
+          <p:nvPr/>
+        </p:nvSpPr>
+        <p:spPr>
+          <a:xfrm>
+            <a:off x="9137273" y="4548607"/>
+            <a:ext cx="2971295" cy="1200329"/>
+          </a:xfrm>
+          <a:prstGeom prst="rect">
+            <a:avLst/>
+          </a:prstGeom>
+          <a:noFill/>
+        </p:spPr>
+        <p:txBody>
+          <a:bodyPr wrap="square" rtlCol="0">
+            <a:spAutoFit/>
+          </a:bodyPr>
+          <a:lstStyle/>
+          <a:p>
+            <a:r>
+              <a:rPr lang="en-US" b="1" dirty="0" smtClean="0">
+                <a:solidFill>
+                  <a:schemeClr val="accent1"/>
+                </a:solidFill>
+              </a:rPr>
+              <a:t>Second figure: </a:t>
+            </a:r>
+            <a:r>
+              <a:rPr lang="en-US" dirty="0" smtClean="0">
+                <a:solidFill>
+                  <a:schemeClr val="accent1"/>
+                </a:solidFill>
+              </a:rPr>
+              <a:t>Number of customers in thousands, who share the same CLTV change. In this case, 110 customers.</a:t>
+            </a:r>
+          </a:p>
+        </p:txBody>
+      </p:sp>
+      <p:cxnSp>
+        <p:nvCxnSpPr>
+          <p:cNvPr id="56" name="Straight Arrow Connector 55"/>
+          <p:cNvCxnSpPr/>
+          <p:nvPr/>
+        </p:nvCxnSpPr>
+        <p:spPr>
+          <a:xfrm>
+            <a:off x="8693834" y="5134709"/>
+            <a:ext cx="443439" cy="14063"/>
+          </a:xfrm>
+          <a:prstGeom prst="straightConnector1">
+            <a:avLst/>
+          </a:prstGeom>
+          <a:ln w="66675">
+            <a:tailEnd type="triangle"/>
+          </a:ln>
+        </p:spPr>
+        <p:style>
+          <a:lnRef idx="1">
+            <a:schemeClr val="accent1"/>
+          </a:lnRef>
+          <a:fillRef idx="0">
+            <a:schemeClr val="accent1"/>
+          </a:fillRef>
+          <a:effectRef idx="0">
+            <a:schemeClr val="accent1"/>
+          </a:effectRef>
+          <a:fontRef idx="minor">
+            <a:schemeClr val="tx1"/>
+          </a:fontRef>
+        </p:style>
+      </p:cxnSp>
+    </p:spTree>
+    <p:extLst>
+      <p:ext uri="{BB962C8B-B14F-4D97-AF65-F5344CB8AC3E}">
+        <p14:creationId xmlns:p14="http://schemas.microsoft.com/office/powerpoint/2010/main" val="2630236858"/>
+      </p:ext>
+    </p:extLst>
+  </p:cSld>
+  <p:clrMapOvr>
+    <a:masterClrMapping/>
+  </p:clrMapOvr>
+  <p:timing>
+    <p:tnLst>
+      <p:par>
+        <p:cTn id="1" dur="indefinite" restart="never" nodeType="tmRoot"/>
+      </p:par>
+    </p:tnLst>
+  </p:timing>
+</p:sld>
+</file>
+
+<file path=ppt/slides/slide4.xml><?xml version="1.0" encoding="utf-8"?>
 <p:sld xmlns:a="http://schemas.openxmlformats.org/drawingml/2006/main" xmlns:r="http://schemas.openxmlformats.org/officeDocument/2006/relationships" xmlns:p="http://schemas.openxmlformats.org/presentationml/2006/main">
   <p:cSld>
     <p:spTree>
